--- a/ai_project.pptx
+++ b/ai_project.pptx
@@ -5,13 +5,16 @@
     <p:sldMasterId id="2147483648" r:id="rId1"/>
   </p:sldMasterIdLst>
   <p:notesMasterIdLst>
-    <p:notesMasterId r:id="rId6"/>
+    <p:notesMasterId r:id="rId9"/>
   </p:notesMasterIdLst>
   <p:sldIdLst>
     <p:sldId id="256" r:id="rId2"/>
     <p:sldId id="257" r:id="rId3"/>
     <p:sldId id="265" r:id="rId4"/>
     <p:sldId id="264" r:id="rId5"/>
+    <p:sldId id="271" r:id="rId6"/>
+    <p:sldId id="270" r:id="rId7"/>
+    <p:sldId id="269" r:id="rId8"/>
   </p:sldIdLst>
   <p:sldSz cx="9144000" cy="6858000" type="screen4x3"/>
   <p:notesSz cx="6858000" cy="9144000"/>
@@ -4102,9 +4105,39 @@
         </p:blipFill>
         <p:spPr>
           <a:xfrm>
-            <a:off x="457200" y="1665857"/>
+            <a:off x="457200" y="1174293"/>
             <a:ext cx="8229600" cy="1870674"/>
           </a:xfrm>
+        </p:spPr>
+      </p:pic>
+      <p:pic>
+        <p:nvPicPr>
+          <p:cNvPr id="6" name="Picture 5" descr="cell620.png"/>
+          <p:cNvPicPr>
+            <a:picLocks noChangeAspect="1"/>
+          </p:cNvPicPr>
+          <p:nvPr/>
+        </p:nvPicPr>
+        <p:blipFill>
+          <a:blip r:embed="rId3">
+            <a:extLst>
+              <a:ext uri="{28A0092B-C50C-407E-A947-70E740481C1C}">
+                <a14:useLocalDpi xmlns:a14="http://schemas.microsoft.com/office/drawing/2010/main" val="0"/>
+              </a:ext>
+            </a:extLst>
+          </a:blip>
+          <a:stretch>
+            <a:fillRect/>
+          </a:stretch>
+        </p:blipFill>
+        <p:spPr>
+          <a:xfrm>
+            <a:off x="1771007" y="2850406"/>
+            <a:ext cx="5343458" cy="4007594"/>
+          </a:xfrm>
+          <a:prstGeom prst="rect">
+            <a:avLst/>
+          </a:prstGeom>
         </p:spPr>
       </p:pic>
     </p:spTree>
@@ -4179,6 +4212,15 @@
               <a:rPr lang="en-US" dirty="0" smtClean="0"/>
               <a:t>Accepts states with probability </a:t>
             </a:r>
+          </a:p>
+          <a:p>
+            <a:pPr marL="457200" lvl="1" indent="0">
+              <a:buNone/>
+            </a:pPr>
+            <a:r>
+              <a:rPr lang="en-US" dirty="0"/>
+              <a:t>	</a:t>
+            </a:r>
             <a:r>
               <a:rPr lang="en-US" dirty="0" err="1" smtClean="0"/>
               <a:t>exp</a:t>
@@ -4210,21 +4252,21 @@
             <a:pPr lvl="1"/>
             <a:r>
               <a:rPr lang="en-US" dirty="0" smtClean="0"/>
-              <a:t>combination of distance</a:t>
+              <a:t>distance of each protein to the next</a:t>
             </a:r>
           </a:p>
           <a:p>
             <a:pPr lvl="1"/>
             <a:r>
               <a:rPr lang="en-US" dirty="0" smtClean="0"/>
-              <a:t>how many gaps there are</a:t>
+              <a:t>how many gaps there are during </a:t>
             </a:r>
           </a:p>
           <a:p>
             <a:pPr lvl="1"/>
             <a:r>
               <a:rPr lang="en-US" dirty="0" smtClean="0"/>
-              <a:t>penalty for being born from nothing, and dying</a:t>
+              <a:t>penalty for track being born and dying during lifecycle</a:t>
             </a:r>
             <a:endParaRPr lang="en-US" dirty="0" smtClean="0"/>
           </a:p>
@@ -4247,6 +4289,391 @@
       </p:par>
     </p:tnLst>
   </p:timing>
+</p:sld>
+</file>
+
+<file path=ppt/slides/slide5.xml><?xml version="1.0" encoding="utf-8"?>
+<p:sld xmlns:a="http://schemas.openxmlformats.org/drawingml/2006/main" xmlns:r="http://schemas.openxmlformats.org/officeDocument/2006/relationships" xmlns:p="http://schemas.openxmlformats.org/presentationml/2006/main">
+  <p:cSld>
+    <p:spTree>
+      <p:nvGrpSpPr>
+        <p:cNvPr id="1" name=""/>
+        <p:cNvGrpSpPr/>
+        <p:nvPr/>
+      </p:nvGrpSpPr>
+      <p:grpSpPr>
+        <a:xfrm>
+          <a:off x="0" y="0"/>
+          <a:ext cx="0" cy="0"/>
+          <a:chOff x="0" y="0"/>
+          <a:chExt cx="0" cy="0"/>
+        </a:xfrm>
+      </p:grpSpPr>
+      <p:sp>
+        <p:nvSpPr>
+          <p:cNvPr id="2" name="Title 1"/>
+          <p:cNvSpPr>
+            <a:spLocks noGrp="1"/>
+          </p:cNvSpPr>
+          <p:nvPr>
+            <p:ph type="title"/>
+          </p:nvPr>
+        </p:nvSpPr>
+        <p:spPr/>
+        <p:txBody>
+          <a:bodyPr/>
+          <a:lstStyle/>
+          <a:p>
+            <a:r>
+              <a:rPr lang="en-US" dirty="0" smtClean="0"/>
+              <a:t>What does our program do?</a:t>
+            </a:r>
+            <a:endParaRPr lang="en-US" dirty="0"/>
+          </a:p>
+        </p:txBody>
+      </p:sp>
+      <p:pic>
+        <p:nvPicPr>
+          <p:cNvPr id="4" name="Content Placeholder 3" descr="figure_1.png"/>
+          <p:cNvPicPr>
+            <a:picLocks noGrp="1" noChangeAspect="1"/>
+          </p:cNvPicPr>
+          <p:nvPr>
+            <p:ph idx="1"/>
+          </p:nvPr>
+        </p:nvPicPr>
+        <p:blipFill>
+          <a:blip r:embed="rId2">
+            <a:extLst>
+              <a:ext uri="{28A0092B-C50C-407E-A947-70E740481C1C}">
+                <a14:useLocalDpi xmlns:a14="http://schemas.microsoft.com/office/drawing/2010/main" val="0"/>
+              </a:ext>
+            </a:extLst>
+          </a:blip>
+          <a:srcRect t="13336" b="13336"/>
+          <a:stretch>
+            <a:fillRect/>
+          </a:stretch>
+        </p:blipFill>
+        <p:spPr/>
+      </p:pic>
+      <p:pic>
+        <p:nvPicPr>
+          <p:cNvPr id="5" name="Picture 4" descr="figure_1.png"/>
+          <p:cNvPicPr>
+            <a:picLocks noChangeAspect="1"/>
+          </p:cNvPicPr>
+          <p:nvPr/>
+        </p:nvPicPr>
+        <p:blipFill>
+          <a:blip r:embed="rId3">
+            <a:extLst>
+              <a:ext uri="{28A0092B-C50C-407E-A947-70E740481C1C}">
+                <a14:useLocalDpi xmlns:a14="http://schemas.microsoft.com/office/drawing/2010/main" val="0"/>
+              </a:ext>
+            </a:extLst>
+          </a:blip>
+          <a:stretch>
+            <a:fillRect/>
+          </a:stretch>
+        </p:blipFill>
+        <p:spPr>
+          <a:xfrm>
+            <a:off x="1242642" y="1080076"/>
+            <a:ext cx="7315200" cy="5486400"/>
+          </a:xfrm>
+          <a:prstGeom prst="rect">
+            <a:avLst/>
+          </a:prstGeom>
+        </p:spPr>
+      </p:pic>
+    </p:spTree>
+    <p:extLst>
+      <p:ext uri="{BB962C8B-B14F-4D97-AF65-F5344CB8AC3E}">
+        <p14:creationId xmlns:p14="http://schemas.microsoft.com/office/powerpoint/2010/main" val="927659657"/>
+      </p:ext>
+    </p:extLst>
+  </p:cSld>
+  <p:clrMapOvr>
+    <a:masterClrMapping/>
+  </p:clrMapOvr>
+</p:sld>
+</file>
+
+<file path=ppt/slides/slide6.xml><?xml version="1.0" encoding="utf-8"?>
+<p:sld xmlns:a="http://schemas.openxmlformats.org/drawingml/2006/main" xmlns:r="http://schemas.openxmlformats.org/officeDocument/2006/relationships" xmlns:p="http://schemas.openxmlformats.org/presentationml/2006/main">
+  <p:cSld>
+    <p:spTree>
+      <p:nvGrpSpPr>
+        <p:cNvPr id="1" name=""/>
+        <p:cNvGrpSpPr/>
+        <p:nvPr/>
+      </p:nvGrpSpPr>
+      <p:grpSpPr>
+        <a:xfrm>
+          <a:off x="0" y="0"/>
+          <a:ext cx="0" cy="0"/>
+          <a:chOff x="0" y="0"/>
+          <a:chExt cx="0" cy="0"/>
+        </a:xfrm>
+      </p:grpSpPr>
+      <p:sp>
+        <p:nvSpPr>
+          <p:cNvPr id="2" name="Title 1"/>
+          <p:cNvSpPr>
+            <a:spLocks noGrp="1"/>
+          </p:cNvSpPr>
+          <p:nvPr>
+            <p:ph type="title"/>
+          </p:nvPr>
+        </p:nvSpPr>
+        <p:spPr/>
+        <p:txBody>
+          <a:bodyPr/>
+          <a:lstStyle/>
+          <a:p>
+            <a:r>
+              <a:rPr lang="en-US" dirty="0" smtClean="0"/>
+              <a:t>What does our program do?</a:t>
+            </a:r>
+            <a:endParaRPr lang="en-US" dirty="0"/>
+          </a:p>
+        </p:txBody>
+      </p:sp>
+      <p:pic>
+        <p:nvPicPr>
+          <p:cNvPr id="4" name="Content Placeholder 3" descr="figure_1.png"/>
+          <p:cNvPicPr>
+            <a:picLocks noGrp="1" noChangeAspect="1"/>
+          </p:cNvPicPr>
+          <p:nvPr>
+            <p:ph idx="1"/>
+          </p:nvPr>
+        </p:nvPicPr>
+        <p:blipFill>
+          <a:blip r:embed="rId2">
+            <a:extLst>
+              <a:ext uri="{28A0092B-C50C-407E-A947-70E740481C1C}">
+                <a14:useLocalDpi xmlns:a14="http://schemas.microsoft.com/office/drawing/2010/main" val="0"/>
+              </a:ext>
+            </a:extLst>
+          </a:blip>
+          <a:srcRect t="13336" b="13336"/>
+          <a:stretch>
+            <a:fillRect/>
+          </a:stretch>
+        </p:blipFill>
+        <p:spPr/>
+      </p:pic>
+      <p:pic>
+        <p:nvPicPr>
+          <p:cNvPr id="5" name="Picture 4" descr="figure_1.png"/>
+          <p:cNvPicPr>
+            <a:picLocks noChangeAspect="1"/>
+          </p:cNvPicPr>
+          <p:nvPr/>
+        </p:nvPicPr>
+        <p:blipFill>
+          <a:blip r:embed="rId3">
+            <a:extLst>
+              <a:ext uri="{28A0092B-C50C-407E-A947-70E740481C1C}">
+                <a14:useLocalDpi xmlns:a14="http://schemas.microsoft.com/office/drawing/2010/main" val="0"/>
+              </a:ext>
+            </a:extLst>
+          </a:blip>
+          <a:stretch>
+            <a:fillRect/>
+          </a:stretch>
+        </p:blipFill>
+        <p:spPr>
+          <a:xfrm>
+            <a:off x="1242642" y="1080076"/>
+            <a:ext cx="7315200" cy="5486400"/>
+          </a:xfrm>
+          <a:prstGeom prst="rect">
+            <a:avLst/>
+          </a:prstGeom>
+        </p:spPr>
+      </p:pic>
+      <p:pic>
+        <p:nvPicPr>
+          <p:cNvPr id="6" name="Content Placeholder 3" descr="figure_1.png"/>
+          <p:cNvPicPr>
+            <a:picLocks noChangeAspect="1"/>
+          </p:cNvPicPr>
+          <p:nvPr/>
+        </p:nvPicPr>
+        <p:blipFill>
+          <a:blip r:embed="rId2">
+            <a:extLst>
+              <a:ext uri="{28A0092B-C50C-407E-A947-70E740481C1C}">
+                <a14:useLocalDpi xmlns:a14="http://schemas.microsoft.com/office/drawing/2010/main" val="0"/>
+              </a:ext>
+            </a:extLst>
+          </a:blip>
+          <a:srcRect l="-18172" r="-18172"/>
+          <a:stretch>
+            <a:fillRect/>
+          </a:stretch>
+        </p:blipFill>
+        <p:spPr>
+          <a:xfrm>
+            <a:off x="-125062" y="1080076"/>
+            <a:ext cx="9973787" cy="5486399"/>
+          </a:xfrm>
+          <a:prstGeom prst="rect">
+            <a:avLst/>
+          </a:prstGeom>
+        </p:spPr>
+      </p:pic>
+    </p:spTree>
+    <p:extLst>
+      <p:ext uri="{BB962C8B-B14F-4D97-AF65-F5344CB8AC3E}">
+        <p14:creationId xmlns:p14="http://schemas.microsoft.com/office/powerpoint/2010/main" val="2766715938"/>
+      </p:ext>
+    </p:extLst>
+  </p:cSld>
+  <p:clrMapOvr>
+    <a:masterClrMapping/>
+  </p:clrMapOvr>
+</p:sld>
+</file>
+
+<file path=ppt/slides/slide7.xml><?xml version="1.0" encoding="utf-8"?>
+<p:sld xmlns:a="http://schemas.openxmlformats.org/drawingml/2006/main" xmlns:r="http://schemas.openxmlformats.org/officeDocument/2006/relationships" xmlns:p="http://schemas.openxmlformats.org/presentationml/2006/main">
+  <p:cSld>
+    <p:spTree>
+      <p:nvGrpSpPr>
+        <p:cNvPr id="1" name=""/>
+        <p:cNvGrpSpPr/>
+        <p:nvPr/>
+      </p:nvGrpSpPr>
+      <p:grpSpPr>
+        <a:xfrm>
+          <a:off x="0" y="0"/>
+          <a:ext cx="0" cy="0"/>
+          <a:chOff x="0" y="0"/>
+          <a:chExt cx="0" cy="0"/>
+        </a:xfrm>
+      </p:grpSpPr>
+      <p:sp>
+        <p:nvSpPr>
+          <p:cNvPr id="2" name="Title 1"/>
+          <p:cNvSpPr>
+            <a:spLocks noGrp="1"/>
+          </p:cNvSpPr>
+          <p:nvPr>
+            <p:ph type="title"/>
+          </p:nvPr>
+        </p:nvSpPr>
+        <p:spPr/>
+        <p:txBody>
+          <a:bodyPr/>
+          <a:lstStyle/>
+          <a:p>
+            <a:r>
+              <a:rPr lang="en-US" dirty="0" smtClean="0"/>
+              <a:t>What does our program do?</a:t>
+            </a:r>
+            <a:endParaRPr lang="en-US" dirty="0"/>
+          </a:p>
+        </p:txBody>
+      </p:sp>
+      <p:pic>
+        <p:nvPicPr>
+          <p:cNvPr id="4" name="Content Placeholder 3" descr="figure_1.png"/>
+          <p:cNvPicPr>
+            <a:picLocks noGrp="1" noChangeAspect="1"/>
+          </p:cNvPicPr>
+          <p:nvPr>
+            <p:ph idx="1"/>
+          </p:nvPr>
+        </p:nvPicPr>
+        <p:blipFill>
+          <a:blip r:embed="rId2">
+            <a:extLst>
+              <a:ext uri="{28A0092B-C50C-407E-A947-70E740481C1C}">
+                <a14:useLocalDpi xmlns:a14="http://schemas.microsoft.com/office/drawing/2010/main" val="0"/>
+              </a:ext>
+            </a:extLst>
+          </a:blip>
+          <a:srcRect t="13336" b="13336"/>
+          <a:stretch>
+            <a:fillRect/>
+          </a:stretch>
+        </p:blipFill>
+        <p:spPr/>
+      </p:pic>
+      <p:pic>
+        <p:nvPicPr>
+          <p:cNvPr id="5" name="Picture 4" descr="figure_1.png"/>
+          <p:cNvPicPr>
+            <a:picLocks noChangeAspect="1"/>
+          </p:cNvPicPr>
+          <p:nvPr/>
+        </p:nvPicPr>
+        <p:blipFill>
+          <a:blip r:embed="rId3">
+            <a:extLst>
+              <a:ext uri="{28A0092B-C50C-407E-A947-70E740481C1C}">
+                <a14:useLocalDpi xmlns:a14="http://schemas.microsoft.com/office/drawing/2010/main" val="0"/>
+              </a:ext>
+            </a:extLst>
+          </a:blip>
+          <a:stretch>
+            <a:fillRect/>
+          </a:stretch>
+        </p:blipFill>
+        <p:spPr>
+          <a:xfrm>
+            <a:off x="1242642" y="1080076"/>
+            <a:ext cx="7315200" cy="5486400"/>
+          </a:xfrm>
+          <a:prstGeom prst="rect">
+            <a:avLst/>
+          </a:prstGeom>
+        </p:spPr>
+      </p:pic>
+      <p:pic>
+        <p:nvPicPr>
+          <p:cNvPr id="6" name="Picture 5" descr="figure_1.png"/>
+          <p:cNvPicPr>
+            <a:picLocks noChangeAspect="1"/>
+          </p:cNvPicPr>
+          <p:nvPr/>
+        </p:nvPicPr>
+        <p:blipFill>
+          <a:blip r:embed="rId4">
+            <a:extLst>
+              <a:ext uri="{28A0092B-C50C-407E-A947-70E740481C1C}">
+                <a14:useLocalDpi xmlns:a14="http://schemas.microsoft.com/office/drawing/2010/main" val="0"/>
+              </a:ext>
+            </a:extLst>
+          </a:blip>
+          <a:stretch>
+            <a:fillRect/>
+          </a:stretch>
+        </p:blipFill>
+        <p:spPr>
+          <a:xfrm>
+            <a:off x="1242642" y="1080076"/>
+            <a:ext cx="7315200" cy="5486400"/>
+          </a:xfrm>
+          <a:prstGeom prst="rect">
+            <a:avLst/>
+          </a:prstGeom>
+        </p:spPr>
+      </p:pic>
+    </p:spTree>
+    <p:extLst>
+      <p:ext uri="{BB962C8B-B14F-4D97-AF65-F5344CB8AC3E}">
+        <p14:creationId xmlns:p14="http://schemas.microsoft.com/office/powerpoint/2010/main" val="2248236423"/>
+      </p:ext>
+    </p:extLst>
+  </p:cSld>
+  <p:clrMapOvr>
+    <a:masterClrMapping/>
+  </p:clrMapOvr>
 </p:sld>
 </file>
 
